--- a/JS Advanced - 2019.09.16/04. Advanced Functions/LAB/01. JS-Advanced-Advanced-Functions.pptx
+++ b/JS Advanced - 2019.09.16/04. Advanced Functions/LAB/01. JS-Advanced-Advanced-Functions.pptx
@@ -335,7 +335,7 @@
           <a:p>
             <a:fld id="{4E087215-0C8F-4762-A664-737A353EC9A4}" type="datetimeFigureOut">
               <a:rPr lang="bg-BG" smtClean="0"/>
-              <a:t>11.6.2019 г.</a:t>
+              <a:t>26.8.2019 г.</a:t>
             </a:fld>
             <a:endParaRPr lang="bg-BG"/>
           </a:p>
@@ -512,7 +512,7 @@
           <a:p>
             <a:fld id="{72D84649-876A-46C9-8472-14CB09C070D8}" type="datetimeFigureOut">
               <a:rPr lang="en-US" smtClean="0"/>
-              <a:t>6/11/2019</a:t>
+              <a:t>8/26/2019</a:t>
             </a:fld>
             <a:endParaRPr lang="en-US" dirty="0"/>
           </a:p>
@@ -4240,7 +4240,7 @@
             <a:fld id="{055373AC-9AA7-423B-BA00-BA1C74164DBD}" type="datetime1">
               <a:rPr lang="en-US" smtClean="0"/>
               <a:pPr/>
-              <a:t>6/11/2019</a:t>
+              <a:t>8/26/2019</a:t>
             </a:fld>
             <a:endParaRPr lang="en-US" dirty="0"/>
           </a:p>
@@ -4718,7 +4718,7 @@
             <a:fld id="{055373AC-9AA7-423B-BA00-BA1C74164DBD}" type="datetime1">
               <a:rPr lang="en-US" smtClean="0"/>
               <a:pPr/>
-              <a:t>6/11/2019</a:t>
+              <a:t>8/26/2019</a:t>
             </a:fld>
             <a:endParaRPr lang="en-US" dirty="0"/>
           </a:p>
@@ -6076,7 +6076,7 @@
             <a:fld id="{055373AC-9AA7-423B-BA00-BA1C74164DBD}" type="datetime1">
               <a:rPr lang="en-US" smtClean="0"/>
               <a:pPr/>
-              <a:t>6/11/2019</a:t>
+              <a:t>8/26/2019</a:t>
             </a:fld>
             <a:endParaRPr lang="en-US" dirty="0"/>
           </a:p>
@@ -7896,7 +7896,7 @@
             <a:fld id="{055373AC-9AA7-423B-BA00-BA1C74164DBD}" type="datetime1">
               <a:rPr lang="en-US" smtClean="0"/>
               <a:pPr/>
-              <a:t>6/11/2019</a:t>
+              <a:t>8/26/2019</a:t>
             </a:fld>
             <a:endParaRPr lang="en-US" dirty="0"/>
           </a:p>
@@ -8333,7 +8333,7 @@
             <a:fld id="{055373AC-9AA7-423B-BA00-BA1C74164DBD}" type="datetime1">
               <a:rPr lang="en-US" smtClean="0"/>
               <a:pPr/>
-              <a:t>6/11/2019</a:t>
+              <a:t>8/26/2019</a:t>
             </a:fld>
             <a:endParaRPr lang="en-US" dirty="0"/>
           </a:p>
@@ -9047,7 +9047,7 @@
             <a:fld id="{055373AC-9AA7-423B-BA00-BA1C74164DBD}" type="datetime1">
               <a:rPr lang="en-US" smtClean="0"/>
               <a:pPr/>
-              <a:t>6/11/2019</a:t>
+              <a:t>8/26/2019</a:t>
             </a:fld>
             <a:endParaRPr lang="en-US" dirty="0"/>
           </a:p>
@@ -9458,7 +9458,7 @@
             <a:fld id="{055373AC-9AA7-423B-BA00-BA1C74164DBD}" type="datetime1">
               <a:rPr lang="en-US" smtClean="0"/>
               <a:pPr/>
-              <a:t>6/11/2019</a:t>
+              <a:t>8/26/2019</a:t>
             </a:fld>
             <a:endParaRPr lang="en-US" dirty="0"/>
           </a:p>
@@ -9827,7 +9827,7 @@
             <a:fld id="{055373AC-9AA7-423B-BA00-BA1C74164DBD}" type="datetime1">
               <a:rPr lang="en-US" smtClean="0"/>
               <a:pPr/>
-              <a:t>6/11/2019</a:t>
+              <a:t>8/26/2019</a:t>
             </a:fld>
             <a:endParaRPr lang="en-US" dirty="0"/>
           </a:p>
@@ -10495,7 +10495,7 @@
             <a:fld id="{055373AC-9AA7-423B-BA00-BA1C74164DBD}" type="datetime1">
               <a:rPr lang="en-US" smtClean="0"/>
               <a:pPr/>
-              <a:t>6/11/2019</a:t>
+              <a:t>8/26/2019</a:t>
             </a:fld>
             <a:endParaRPr lang="en-US" dirty="0"/>
           </a:p>
@@ -10956,7 +10956,7 @@
             <a:fld id="{055373AC-9AA7-423B-BA00-BA1C74164DBD}" type="datetime1">
               <a:rPr lang="en-US" smtClean="0"/>
               <a:pPr/>
-              <a:t>6/11/2019</a:t>
+              <a:t>8/26/2019</a:t>
             </a:fld>
             <a:endParaRPr lang="en-US" dirty="0"/>
           </a:p>
@@ -11140,7 +11140,7 @@
             <a:fld id="{055373AC-9AA7-423B-BA00-BA1C74164DBD}" type="datetime1">
               <a:rPr lang="en-US" smtClean="0"/>
               <a:pPr/>
-              <a:t>6/11/2019</a:t>
+              <a:t>8/26/2019</a:t>
             </a:fld>
             <a:endParaRPr lang="en-US" dirty="0"/>
           </a:p>
@@ -11722,6 +11722,10 @@
               <a:rPr lang="en-US" b="1" dirty="0"/>
               <a:t>First Class Functions, Function Expressions,</a:t>
             </a:r>
+            <a:r>
+              <a:rPr lang="bg-BG" b="1" dirty="0"/>
+              <a:t/>
+            </a:r>
             <a:br>
               <a:rPr lang="bg-BG" b="1" dirty="0"/>
             </a:br>
@@ -22051,6 +22055,10 @@
             <a:r>
               <a:rPr lang="en-US" sz="3100" dirty="0"/>
               <a:t> - print the stored string</a:t>
+            </a:r>
+            <a:r>
+              <a:rPr lang="en-US" sz="2800" dirty="0"/>
+              <a:t/>
             </a:r>
             <a:br>
               <a:rPr lang="en-US" sz="2800" dirty="0"/>
